--- a/Presentations/Presentatie agenda 20180817.pptx
+++ b/Presentations/Presentatie agenda 20180817.pptx
@@ -6,7 +6,8 @@
   </p:sldMasterIdLst>
   <p:sldIdLst>
     <p:sldId id="257" r:id="rId2"/>
-    <p:sldId id="256" r:id="rId3"/>
+    <p:sldId id="258" r:id="rId3"/>
+    <p:sldId id="256" r:id="rId4"/>
   </p:sldIdLst>
   <p:sldSz cx="12192000" cy="6858000"/>
   <p:notesSz cx="6858000" cy="9144000"/>
@@ -242,7 +243,7 @@
           <a:p>
             <a:fld id="{FF170C81-A5DA-4CD9-8981-10373AE16E60}" type="datetimeFigureOut">
               <a:rPr lang="nl-NL" smtClean="0"/>
-              <a:t>16-8-2018</a:t>
+              <a:t>17-8-2018</a:t>
             </a:fld>
             <a:endParaRPr lang="nl-NL"/>
           </a:p>
@@ -410,7 +411,7 @@
           <a:p>
             <a:fld id="{FF170C81-A5DA-4CD9-8981-10373AE16E60}" type="datetimeFigureOut">
               <a:rPr lang="nl-NL" smtClean="0"/>
-              <a:t>16-8-2018</a:t>
+              <a:t>17-8-2018</a:t>
             </a:fld>
             <a:endParaRPr lang="nl-NL"/>
           </a:p>
@@ -588,7 +589,7 @@
           <a:p>
             <a:fld id="{FF170C81-A5DA-4CD9-8981-10373AE16E60}" type="datetimeFigureOut">
               <a:rPr lang="nl-NL" smtClean="0"/>
-              <a:t>16-8-2018</a:t>
+              <a:t>17-8-2018</a:t>
             </a:fld>
             <a:endParaRPr lang="nl-NL"/>
           </a:p>
@@ -756,7 +757,7 @@
           <a:p>
             <a:fld id="{FF170C81-A5DA-4CD9-8981-10373AE16E60}" type="datetimeFigureOut">
               <a:rPr lang="nl-NL" smtClean="0"/>
-              <a:t>16-8-2018</a:t>
+              <a:t>17-8-2018</a:t>
             </a:fld>
             <a:endParaRPr lang="nl-NL"/>
           </a:p>
@@ -1001,7 +1002,7 @@
           <a:p>
             <a:fld id="{FF170C81-A5DA-4CD9-8981-10373AE16E60}" type="datetimeFigureOut">
               <a:rPr lang="nl-NL" smtClean="0"/>
-              <a:t>16-8-2018</a:t>
+              <a:t>17-8-2018</a:t>
             </a:fld>
             <a:endParaRPr lang="nl-NL"/>
           </a:p>
@@ -1230,7 +1231,7 @@
           <a:p>
             <a:fld id="{FF170C81-A5DA-4CD9-8981-10373AE16E60}" type="datetimeFigureOut">
               <a:rPr lang="nl-NL" smtClean="0"/>
-              <a:t>16-8-2018</a:t>
+              <a:t>17-8-2018</a:t>
             </a:fld>
             <a:endParaRPr lang="nl-NL"/>
           </a:p>
@@ -1594,7 +1595,7 @@
           <a:p>
             <a:fld id="{FF170C81-A5DA-4CD9-8981-10373AE16E60}" type="datetimeFigureOut">
               <a:rPr lang="nl-NL" smtClean="0"/>
-              <a:t>16-8-2018</a:t>
+              <a:t>17-8-2018</a:t>
             </a:fld>
             <a:endParaRPr lang="nl-NL"/>
           </a:p>
@@ -1711,7 +1712,7 @@
           <a:p>
             <a:fld id="{FF170C81-A5DA-4CD9-8981-10373AE16E60}" type="datetimeFigureOut">
               <a:rPr lang="nl-NL" smtClean="0"/>
-              <a:t>16-8-2018</a:t>
+              <a:t>17-8-2018</a:t>
             </a:fld>
             <a:endParaRPr lang="nl-NL"/>
           </a:p>
@@ -1806,7 +1807,7 @@
           <a:p>
             <a:fld id="{FF170C81-A5DA-4CD9-8981-10373AE16E60}" type="datetimeFigureOut">
               <a:rPr lang="nl-NL" smtClean="0"/>
-              <a:t>16-8-2018</a:t>
+              <a:t>17-8-2018</a:t>
             </a:fld>
             <a:endParaRPr lang="nl-NL"/>
           </a:p>
@@ -2081,7 +2082,7 @@
           <a:p>
             <a:fld id="{FF170C81-A5DA-4CD9-8981-10373AE16E60}" type="datetimeFigureOut">
               <a:rPr lang="nl-NL" smtClean="0"/>
-              <a:t>16-8-2018</a:t>
+              <a:t>17-8-2018</a:t>
             </a:fld>
             <a:endParaRPr lang="nl-NL"/>
           </a:p>
@@ -2333,7 +2334,7 @@
           <a:p>
             <a:fld id="{FF170C81-A5DA-4CD9-8981-10373AE16E60}" type="datetimeFigureOut">
               <a:rPr lang="nl-NL" smtClean="0"/>
-              <a:t>16-8-2018</a:t>
+              <a:t>17-8-2018</a:t>
             </a:fld>
             <a:endParaRPr lang="nl-NL"/>
           </a:p>
@@ -2544,7 +2545,7 @@
           <a:p>
             <a:fld id="{FF170C81-A5DA-4CD9-8981-10373AE16E60}" type="datetimeFigureOut">
               <a:rPr lang="nl-NL" smtClean="0"/>
-              <a:t>16-8-2018</a:t>
+              <a:t>17-8-2018</a:t>
             </a:fld>
             <a:endParaRPr lang="nl-NL"/>
           </a:p>
@@ -3105,6 +3106,265 @@
           <p:cNvPr id="2" name="Tekstvak 1">
             <a:extLst>
               <a:ext uri="{FF2B5EF4-FFF2-40B4-BE49-F238E27FC236}">
+                <a16:creationId xmlns:a16="http://schemas.microsoft.com/office/drawing/2014/main" id="{59B0FB7E-646B-488F-B480-8DF9F6CA2B1A}"/>
+              </a:ext>
+            </a:extLst>
+          </p:cNvPr>
+          <p:cNvSpPr txBox="1"/>
+          <p:nvPr/>
+        </p:nvSpPr>
+        <p:spPr>
+          <a:xfrm>
+            <a:off x="590843" y="464233"/>
+            <a:ext cx="10700302" cy="6832640"/>
+          </a:xfrm>
+          <a:prstGeom prst="rect">
+            <a:avLst/>
+          </a:prstGeom>
+          <a:noFill/>
+        </p:spPr>
+        <p:txBody>
+          <a:bodyPr wrap="none" rtlCol="0">
+            <a:spAutoFit/>
+          </a:bodyPr>
+          <a:lstStyle/>
+          <a:p>
+            <a:r>
+              <a:rPr lang="nl-NL" sz="2800" dirty="0"/>
+              <a:t>Doel beschrijven</a:t>
+            </a:r>
+          </a:p>
+          <a:p>
+            <a:endParaRPr lang="nl-NL" sz="2800" dirty="0"/>
+          </a:p>
+          <a:p>
+            <a:r>
+              <a:rPr lang="nl-NL" sz="2800" dirty="0"/>
+              <a:t>Methode</a:t>
+            </a:r>
+          </a:p>
+          <a:p>
+            <a:endParaRPr lang="nl-NL" sz="2800" dirty="0"/>
+          </a:p>
+          <a:p>
+            <a:r>
+              <a:rPr lang="nl-NL" sz="2800" dirty="0"/>
+              <a:t>Wat is LD en waarin anders dan UML-OO </a:t>
+            </a:r>
+          </a:p>
+          <a:p>
+            <a:endParaRPr lang="nl-NL" sz="2800" dirty="0"/>
+          </a:p>
+          <a:p>
+            <a:r>
+              <a:rPr lang="nl-NL" sz="2800" dirty="0"/>
+              <a:t>Complicatie 3 stijlen (matrix)</a:t>
+            </a:r>
+          </a:p>
+          <a:p>
+            <a:endParaRPr lang="nl-NL" sz="2800" dirty="0"/>
+          </a:p>
+          <a:p>
+            <a:r>
+              <a:rPr lang="nl-NL" sz="2800" dirty="0"/>
+              <a:t>Metamodellen M0 – M3</a:t>
+            </a:r>
+          </a:p>
+          <a:p>
+            <a:endParaRPr lang="nl-NL" sz="2800" dirty="0"/>
+          </a:p>
+          <a:p>
+            <a:r>
+              <a:rPr lang="nl-NL" sz="2800" dirty="0"/>
+              <a:t>Bijlage: ontwikkeling en toepassen metamodellen </a:t>
+            </a:r>
+            <a:r>
+              <a:rPr lang="nl-NL" sz="2800" dirty="0" err="1"/>
+              <a:t>adh</a:t>
+            </a:r>
+            <a:r>
+              <a:rPr lang="nl-NL" sz="2800" dirty="0"/>
+              <a:t> IMGOLF plus data</a:t>
+            </a:r>
+          </a:p>
+          <a:p>
+            <a:endParaRPr lang="nl-NL" sz="2800" dirty="0"/>
+          </a:p>
+          <a:p>
+            <a:r>
+              <a:rPr lang="nl-NL" sz="2800" dirty="0"/>
+              <a:t>De </a:t>
+            </a:r>
+            <a:r>
+              <a:rPr lang="nl-NL" sz="2800" dirty="0" err="1"/>
+              <a:t>automatsche</a:t>
+            </a:r>
+            <a:r>
+              <a:rPr lang="nl-NL" sz="2800"/>
+              <a:t> transformatie </a:t>
+            </a:r>
+            <a:r>
+              <a:rPr lang="nl-NL" sz="2800" dirty="0"/>
+              <a:t>regels plus reparatie</a:t>
+            </a:r>
+          </a:p>
+          <a:p>
+            <a:endParaRPr lang="nl-NL" sz="2800" dirty="0"/>
+          </a:p>
+          <a:p>
+            <a:r>
+              <a:rPr lang="nl-NL" sz="2800" dirty="0"/>
+              <a:t>NEN 3610 in RDF/OWL</a:t>
+            </a:r>
+          </a:p>
+          <a:p>
+            <a:endParaRPr lang="nl-NL" dirty="0"/>
+          </a:p>
+        </p:txBody>
+      </p:sp>
+      <p:pic>
+        <p:nvPicPr>
+          <p:cNvPr id="4" name="Afbeelding 3">
+            <a:extLst>
+              <a:ext uri="{FF2B5EF4-FFF2-40B4-BE49-F238E27FC236}">
+                <a16:creationId xmlns:a16="http://schemas.microsoft.com/office/drawing/2014/main" id="{CD186237-9682-4FE3-8A62-292F426F9C6E}"/>
+              </a:ext>
+            </a:extLst>
+          </p:cNvPr>
+          <p:cNvPicPr>
+            <a:picLocks noChangeAspect="1"/>
+          </p:cNvPicPr>
+          <p:nvPr/>
+        </p:nvPicPr>
+        <p:blipFill>
+          <a:blip r:embed="rId2" cstate="print">
+            <a:extLst>
+              <a:ext uri="{28A0092B-C50C-407E-A947-70E740481C1C}">
+                <a14:useLocalDpi xmlns:a14="http://schemas.microsoft.com/office/drawing/2010/main" val="0"/>
+              </a:ext>
+            </a:extLst>
+          </a:blip>
+          <a:stretch>
+            <a:fillRect/>
+          </a:stretch>
+        </p:blipFill>
+        <p:spPr>
+          <a:xfrm>
+            <a:off x="4901405" y="138335"/>
+            <a:ext cx="1799506" cy="857536"/>
+          </a:xfrm>
+          <a:prstGeom prst="rect">
+            <a:avLst/>
+          </a:prstGeom>
+        </p:spPr>
+      </p:pic>
+      <p:pic>
+        <p:nvPicPr>
+          <p:cNvPr id="6" name="Afbeelding 5">
+            <a:extLst>
+              <a:ext uri="{FF2B5EF4-FFF2-40B4-BE49-F238E27FC236}">
+                <a16:creationId xmlns:a16="http://schemas.microsoft.com/office/drawing/2014/main" id="{CF5B278C-9E03-417C-B193-E27B8C26E134}"/>
+              </a:ext>
+            </a:extLst>
+          </p:cNvPr>
+          <p:cNvPicPr>
+            <a:picLocks noChangeAspect="1"/>
+          </p:cNvPicPr>
+          <p:nvPr/>
+        </p:nvPicPr>
+        <p:blipFill>
+          <a:blip r:embed="rId3" cstate="print">
+            <a:extLst>
+              <a:ext uri="{28A0092B-C50C-407E-A947-70E740481C1C}">
+                <a14:useLocalDpi xmlns:a14="http://schemas.microsoft.com/office/drawing/2010/main" val="0"/>
+              </a:ext>
+            </a:extLst>
+          </a:blip>
+          <a:stretch>
+            <a:fillRect/>
+          </a:stretch>
+        </p:blipFill>
+        <p:spPr>
+          <a:xfrm>
+            <a:off x="6881695" y="915304"/>
+            <a:ext cx="1799506" cy="1088932"/>
+          </a:xfrm>
+          <a:prstGeom prst="rect">
+            <a:avLst/>
+          </a:prstGeom>
+        </p:spPr>
+      </p:pic>
+      <p:pic>
+        <p:nvPicPr>
+          <p:cNvPr id="8" name="Afbeelding 7">
+            <a:extLst>
+              <a:ext uri="{FF2B5EF4-FFF2-40B4-BE49-F238E27FC236}">
+                <a16:creationId xmlns:a16="http://schemas.microsoft.com/office/drawing/2014/main" id="{C43E070B-B0D8-435C-BBB9-300B2D38850F}"/>
+              </a:ext>
+            </a:extLst>
+          </p:cNvPr>
+          <p:cNvPicPr>
+            <a:picLocks noChangeAspect="1"/>
+          </p:cNvPicPr>
+          <p:nvPr/>
+        </p:nvPicPr>
+        <p:blipFill>
+          <a:blip r:embed="rId4" cstate="print">
+            <a:extLst>
+              <a:ext uri="{28A0092B-C50C-407E-A947-70E740481C1C}">
+                <a14:useLocalDpi xmlns:a14="http://schemas.microsoft.com/office/drawing/2010/main" val="0"/>
+              </a:ext>
+            </a:extLst>
+          </a:blip>
+          <a:stretch>
+            <a:fillRect/>
+          </a:stretch>
+        </p:blipFill>
+        <p:spPr>
+          <a:xfrm>
+            <a:off x="6881695" y="3705986"/>
+            <a:ext cx="1799507" cy="817958"/>
+          </a:xfrm>
+          <a:prstGeom prst="rect">
+            <a:avLst/>
+          </a:prstGeom>
+        </p:spPr>
+      </p:pic>
+    </p:spTree>
+    <p:extLst>
+      <p:ext uri="{BB962C8B-B14F-4D97-AF65-F5344CB8AC3E}">
+        <p14:creationId xmlns:p14="http://schemas.microsoft.com/office/powerpoint/2010/main" val="356359537"/>
+      </p:ext>
+    </p:extLst>
+  </p:cSld>
+  <p:clrMapOvr>
+    <a:masterClrMapping/>
+  </p:clrMapOvr>
+</p:sld>
+</file>
+
+<file path=ppt/slides/slide3.xml><?xml version="1.0" encoding="utf-8"?>
+<p:sld xmlns:a="http://schemas.openxmlformats.org/drawingml/2006/main" xmlns:r="http://schemas.openxmlformats.org/officeDocument/2006/relationships" xmlns:p="http://schemas.openxmlformats.org/presentationml/2006/main">
+  <p:cSld>
+    <p:spTree>
+      <p:nvGrpSpPr>
+        <p:cNvPr id="1" name=""/>
+        <p:cNvGrpSpPr/>
+        <p:nvPr/>
+      </p:nvGrpSpPr>
+      <p:grpSpPr>
+        <a:xfrm>
+          <a:off x="0" y="0"/>
+          <a:ext cx="0" cy="0"/>
+          <a:chOff x="0" y="0"/>
+          <a:chExt cx="0" cy="0"/>
+        </a:xfrm>
+      </p:grpSpPr>
+      <p:sp>
+        <p:nvSpPr>
+          <p:cNvPr id="2" name="Tekstvak 1">
+            <a:extLst>
+              <a:ext uri="{FF2B5EF4-FFF2-40B4-BE49-F238E27FC236}">
                 <a16:creationId xmlns:a16="http://schemas.microsoft.com/office/drawing/2014/main" id="{59EF448F-CC63-4F43-82FA-D6C681A25FE4}"/>
               </a:ext>
             </a:extLst>
